--- a/docs/Team6_presentation.pptx
+++ b/docs/Team6_presentation.pptx
@@ -20,15 +20,16 @@
     <p:sldId id="265" r:id="rId14"/>
     <p:sldId id="266" r:id="rId15"/>
     <p:sldId id="267" r:id="rId16"/>
+    <p:sldId id="268" r:id="rId17"/>
   </p:sldIdLst>
   <p:sldSz cy="5143500" cx="9144000"/>
   <p:notesSz cx="6858000" cy="9144000"/>
   <p:embeddedFontLst>
     <p:embeddedFont>
       <p:font typeface="Old Standard TT"/>
-      <p:regular r:id="rId17"/>
-      <p:bold r:id="rId18"/>
-      <p:italic r:id="rId19"/>
+      <p:regular r:id="rId18"/>
+      <p:bold r:id="rId19"/>
+      <p:italic r:id="rId20"/>
     </p:embeddedFont>
   </p:embeddedFontLst>
   <p:defaultTextStyle>
@@ -504,7 +505,7 @@
   <p:cSld>
     <p:spTree>
       <p:nvGrpSpPr>
-        <p:cNvPr id="120" name="Shape 120"/>
+        <p:cNvPr id="122" name="Shape 122"/>
         <p:cNvGrpSpPr/>
         <p:nvPr/>
       </p:nvGrpSpPr>
@@ -518,7 +519,7 @@
       </p:grpSpPr>
       <p:sp>
         <p:nvSpPr>
-          <p:cNvPr id="121" name="Shape 121"/>
+          <p:cNvPr id="123" name="Shape 123"/>
           <p:cNvSpPr/>
           <p:nvPr>
             <p:ph idx="2" type="sldImg"/>
@@ -562,7 +563,7 @@
       </p:sp>
       <p:sp>
         <p:nvSpPr>
-          <p:cNvPr id="122" name="Shape 122"/>
+          <p:cNvPr id="124" name="Shape 124"/>
           <p:cNvSpPr txBox="1"/>
           <p:nvPr>
             <p:ph idx="1" type="body"/>
@@ -609,7 +610,7 @@
   <p:cSld>
     <p:spTree>
       <p:nvGrpSpPr>
-        <p:cNvPr id="127" name="Shape 127"/>
+        <p:cNvPr id="129" name="Shape 129"/>
         <p:cNvGrpSpPr/>
         <p:nvPr/>
       </p:nvGrpSpPr>
@@ -623,7 +624,7 @@
       </p:grpSpPr>
       <p:sp>
         <p:nvSpPr>
-          <p:cNvPr id="128" name="Shape 128"/>
+          <p:cNvPr id="130" name="Shape 130"/>
           <p:cNvSpPr/>
           <p:nvPr>
             <p:ph idx="2" type="sldImg"/>
@@ -667,7 +668,7 @@
       </p:sp>
       <p:sp>
         <p:nvSpPr>
-          <p:cNvPr id="129" name="Shape 129"/>
+          <p:cNvPr id="131" name="Shape 131"/>
           <p:cNvSpPr txBox="1"/>
           <p:nvPr>
             <p:ph idx="1" type="body"/>
@@ -714,7 +715,7 @@
   <p:cSld>
     <p:spTree>
       <p:nvGrpSpPr>
-        <p:cNvPr id="134" name="Shape 134"/>
+        <p:cNvPr id="136" name="Shape 136"/>
         <p:cNvGrpSpPr/>
         <p:nvPr/>
       </p:nvGrpSpPr>
@@ -728,7 +729,7 @@
       </p:grpSpPr>
       <p:sp>
         <p:nvSpPr>
-          <p:cNvPr id="135" name="Shape 135"/>
+          <p:cNvPr id="137" name="Shape 137"/>
           <p:cNvSpPr/>
           <p:nvPr>
             <p:ph idx="2" type="sldImg"/>
@@ -772,7 +773,7 @@
       </p:sp>
       <p:sp>
         <p:nvSpPr>
-          <p:cNvPr id="136" name="Shape 136"/>
+          <p:cNvPr id="138" name="Shape 138"/>
           <p:cNvSpPr txBox="1"/>
           <p:nvPr>
             <p:ph idx="1" type="body"/>
@@ -794,6 +795,111 @@
           <a:lstStyle/>
           <a:p>
             <a:pPr lvl="0" rtl="0">
+              <a:spcBef>
+                <a:spcPts val="0"/>
+              </a:spcBef>
+              <a:buNone/>
+            </a:pPr>
+            <a:r>
+              <a:t/>
+            </a:r>
+            <a:endParaRPr/>
+          </a:p>
+        </p:txBody>
+      </p:sp>
+    </p:spTree>
+  </p:cSld>
+  <p:clrMapOvr>
+    <a:masterClrMapping/>
+  </p:clrMapOvr>
+</p:notes>
+</file>
+
+<file path=ppt/notesSlides/notesSlide13.xml><?xml version="1.0" encoding="utf-8"?>
+<p:notes xmlns:a="http://schemas.openxmlformats.org/drawingml/2006/main" xmlns:r="http://schemas.openxmlformats.org/officeDocument/2006/relationships" xmlns:mc="http://schemas.openxmlformats.org/markup-compatibility/2006" xmlns:mv="urn:schemas-microsoft-com:mac:vml" xmlns:p="http://schemas.openxmlformats.org/presentationml/2006/main" xmlns:c="http://schemas.openxmlformats.org/drawingml/2006/chart" xmlns:dgm="http://schemas.openxmlformats.org/drawingml/2006/diagram" xmlns:o="urn:schemas-microsoft-com:office:office" xmlns:v="urn:schemas-microsoft-com:vml" xmlns:pvml="urn:schemas-microsoft-com:office:powerpoint" xmlns:com="http://schemas.openxmlformats.org/drawingml/2006/compatibility" xmlns:p14="http://schemas.microsoft.com/office/powerpoint/2010/main" showMasterPhAnim="0" showMasterSp="0">
+  <p:cSld>
+    <p:spTree>
+      <p:nvGrpSpPr>
+        <p:cNvPr id="143" name="Shape 143"/>
+        <p:cNvGrpSpPr/>
+        <p:nvPr/>
+      </p:nvGrpSpPr>
+      <p:grpSpPr>
+        <a:xfrm>
+          <a:off x="0" y="0"/>
+          <a:ext cx="0" cy="0"/>
+          <a:chOff x="0" y="0"/>
+          <a:chExt cx="0" cy="0"/>
+        </a:xfrm>
+      </p:grpSpPr>
+      <p:sp>
+        <p:nvSpPr>
+          <p:cNvPr id="144" name="Shape 144"/>
+          <p:cNvSpPr/>
+          <p:nvPr>
+            <p:ph idx="2" type="sldImg"/>
+          </p:nvPr>
+        </p:nvSpPr>
+        <p:spPr>
+          <a:xfrm>
+            <a:off x="381300" y="685800"/>
+            <a:ext cx="6096000" cy="3429000"/>
+          </a:xfrm>
+          <a:custGeom>
+            <a:pathLst>
+              <a:path extrusionOk="0" h="120000" w="120000">
+                <a:moveTo>
+                  <a:pt x="0" y="0"/>
+                </a:moveTo>
+                <a:lnTo>
+                  <a:pt x="120000" y="0"/>
+                </a:lnTo>
+                <a:lnTo>
+                  <a:pt x="120000" y="120000"/>
+                </a:lnTo>
+                <a:lnTo>
+                  <a:pt x="0" y="120000"/>
+                </a:lnTo>
+                <a:close/>
+              </a:path>
+            </a:pathLst>
+          </a:custGeom>
+          <a:noFill/>
+          <a:ln cap="flat" cmpd="sng" w="9525">
+            <a:solidFill>
+              <a:srgbClr val="000000"/>
+            </a:solidFill>
+            <a:prstDash val="solid"/>
+            <a:round/>
+            <a:headEnd len="med" w="med" type="none"/>
+            <a:tailEnd len="med" w="med" type="none"/>
+          </a:ln>
+        </p:spPr>
+      </p:sp>
+      <p:sp>
+        <p:nvSpPr>
+          <p:cNvPr id="145" name="Shape 145"/>
+          <p:cNvSpPr txBox="1"/>
+          <p:nvPr>
+            <p:ph idx="1" type="body"/>
+          </p:nvPr>
+        </p:nvSpPr>
+        <p:spPr>
+          <a:xfrm>
+            <a:off x="685800" y="4343400"/>
+            <a:ext cx="5486399" cy="4114800"/>
+          </a:xfrm>
+          <a:prstGeom prst="rect">
+            <a:avLst/>
+          </a:prstGeom>
+        </p:spPr>
+        <p:txBody>
+          <a:bodyPr anchorCtr="0" anchor="t" bIns="91425" lIns="91425" rIns="91425" tIns="91425">
+            <a:noAutofit/>
+          </a:bodyPr>
+          <a:lstStyle/>
+          <a:p>
+            <a:pPr>
               <a:spcBef>
                 <a:spcPts val="0"/>
               </a:spcBef>
@@ -1239,7 +1345,7 @@
   <p:cSld>
     <p:spTree>
       <p:nvGrpSpPr>
-        <p:cNvPr id="93" name="Shape 93"/>
+        <p:cNvPr id="95" name="Shape 95"/>
         <p:cNvGrpSpPr/>
         <p:nvPr/>
       </p:nvGrpSpPr>
@@ -1253,7 +1359,7 @@
       </p:grpSpPr>
       <p:sp>
         <p:nvSpPr>
-          <p:cNvPr id="94" name="Shape 94"/>
+          <p:cNvPr id="96" name="Shape 96"/>
           <p:cNvSpPr/>
           <p:nvPr>
             <p:ph idx="2" type="sldImg"/>
@@ -1297,7 +1403,7 @@
       </p:sp>
       <p:sp>
         <p:nvSpPr>
-          <p:cNvPr id="95" name="Shape 95"/>
+          <p:cNvPr id="97" name="Shape 97"/>
           <p:cNvSpPr txBox="1"/>
           <p:nvPr>
             <p:ph idx="1" type="body"/>
@@ -1344,7 +1450,7 @@
   <p:cSld>
     <p:spTree>
       <p:nvGrpSpPr>
-        <p:cNvPr id="100" name="Shape 100"/>
+        <p:cNvPr id="102" name="Shape 102"/>
         <p:cNvGrpSpPr/>
         <p:nvPr/>
       </p:nvGrpSpPr>
@@ -1358,7 +1464,7 @@
       </p:grpSpPr>
       <p:sp>
         <p:nvSpPr>
-          <p:cNvPr id="101" name="Shape 101"/>
+          <p:cNvPr id="103" name="Shape 103"/>
           <p:cNvSpPr/>
           <p:nvPr>
             <p:ph idx="2" type="sldImg"/>
@@ -1402,7 +1508,7 @@
       </p:sp>
       <p:sp>
         <p:nvSpPr>
-          <p:cNvPr id="102" name="Shape 102"/>
+          <p:cNvPr id="104" name="Shape 104"/>
           <p:cNvSpPr txBox="1"/>
           <p:nvPr>
             <p:ph idx="1" type="body"/>
@@ -1449,7 +1555,7 @@
   <p:cSld>
     <p:spTree>
       <p:nvGrpSpPr>
-        <p:cNvPr id="107" name="Shape 107"/>
+        <p:cNvPr id="109" name="Shape 109"/>
         <p:cNvGrpSpPr/>
         <p:nvPr/>
       </p:nvGrpSpPr>
@@ -1463,7 +1569,7 @@
       </p:grpSpPr>
       <p:sp>
         <p:nvSpPr>
-          <p:cNvPr id="108" name="Shape 108"/>
+          <p:cNvPr id="110" name="Shape 110"/>
           <p:cNvSpPr/>
           <p:nvPr>
             <p:ph idx="2" type="sldImg"/>
@@ -1507,7 +1613,7 @@
       </p:sp>
       <p:sp>
         <p:nvSpPr>
-          <p:cNvPr id="109" name="Shape 109"/>
+          <p:cNvPr id="111" name="Shape 111"/>
           <p:cNvSpPr txBox="1"/>
           <p:nvPr>
             <p:ph idx="1" type="body"/>
@@ -1554,7 +1660,7 @@
   <p:cSld>
     <p:spTree>
       <p:nvGrpSpPr>
-        <p:cNvPr id="113" name="Shape 113"/>
+        <p:cNvPr id="115" name="Shape 115"/>
         <p:cNvGrpSpPr/>
         <p:nvPr/>
       </p:nvGrpSpPr>
@@ -1568,7 +1674,7 @@
       </p:grpSpPr>
       <p:sp>
         <p:nvSpPr>
-          <p:cNvPr id="114" name="Shape 114"/>
+          <p:cNvPr id="116" name="Shape 116"/>
           <p:cNvSpPr/>
           <p:nvPr>
             <p:ph idx="2" type="sldImg"/>
@@ -1612,7 +1718,7 @@
       </p:sp>
       <p:sp>
         <p:nvSpPr>
-          <p:cNvPr id="115" name="Shape 115"/>
+          <p:cNvPr id="117" name="Shape 117"/>
           <p:cNvSpPr txBox="1"/>
           <p:nvPr>
             <p:ph idx="1" type="body"/>
@@ -5647,7 +5753,7 @@
   <p:cSld>
     <p:spTree>
       <p:nvGrpSpPr>
-        <p:cNvPr id="123" name="Shape 123"/>
+        <p:cNvPr id="125" name="Shape 125"/>
         <p:cNvGrpSpPr/>
         <p:nvPr/>
       </p:nvGrpSpPr>
@@ -5661,7 +5767,7 @@
       </p:grpSpPr>
       <p:sp>
         <p:nvSpPr>
-          <p:cNvPr id="124" name="Shape 124"/>
+          <p:cNvPr id="126" name="Shape 126"/>
           <p:cNvSpPr txBox="1"/>
           <p:nvPr>
             <p:ph type="title"/>
@@ -5669,7 +5775,7 @@
         </p:nvSpPr>
         <p:spPr>
           <a:xfrm>
-            <a:off x="311700" y="445025"/>
+            <a:off x="260575" y="202225"/>
             <a:ext cx="8520599" cy="613200"/>
           </a:xfrm>
           <a:prstGeom prst="rect">
@@ -5697,7 +5803,7 @@
       </p:sp>
       <p:sp>
         <p:nvSpPr>
-          <p:cNvPr id="125" name="Shape 125"/>
+          <p:cNvPr id="127" name="Shape 127"/>
           <p:cNvSpPr txBox="1"/>
           <p:nvPr>
             <p:ph idx="1" type="body"/>
@@ -5744,7 +5850,7 @@
       </p:sp>
       <p:pic>
         <p:nvPicPr>
-          <p:cNvPr id="126" name="Shape 126"/>
+          <p:cNvPr id="128" name="Shape 128"/>
           <p:cNvPicPr preferRelativeResize="0"/>
           <p:nvPr/>
         </p:nvPicPr>
@@ -5765,8 +5871,14 @@
             <a:avLst/>
           </a:prstGeom>
           <a:noFill/>
-          <a:ln>
-            <a:noFill/>
+          <a:ln cap="flat" cmpd="sng" w="9525">
+            <a:solidFill>
+              <a:srgbClr val="000000"/>
+            </a:solidFill>
+            <a:prstDash val="solid"/>
+            <a:round/>
+            <a:headEnd len="med" w="med" type="none"/>
+            <a:tailEnd len="med" w="med" type="none"/>
           </a:ln>
         </p:spPr>
       </p:pic>
@@ -5786,7 +5898,7 @@
   <p:cSld>
     <p:spTree>
       <p:nvGrpSpPr>
-        <p:cNvPr id="130" name="Shape 130"/>
+        <p:cNvPr id="132" name="Shape 132"/>
         <p:cNvGrpSpPr/>
         <p:nvPr/>
       </p:nvGrpSpPr>
@@ -5800,7 +5912,7 @@
       </p:grpSpPr>
       <p:sp>
         <p:nvSpPr>
-          <p:cNvPr id="131" name="Shape 131"/>
+          <p:cNvPr id="133" name="Shape 133"/>
           <p:cNvSpPr txBox="1"/>
           <p:nvPr>
             <p:ph type="title"/>
@@ -5808,7 +5920,7 @@
         </p:nvSpPr>
         <p:spPr>
           <a:xfrm>
-            <a:off x="311700" y="445025"/>
+            <a:off x="311700" y="310850"/>
             <a:ext cx="8520599" cy="613200"/>
           </a:xfrm>
           <a:prstGeom prst="rect">
@@ -5836,7 +5948,7 @@
       </p:sp>
       <p:sp>
         <p:nvSpPr>
-          <p:cNvPr id="132" name="Shape 132"/>
+          <p:cNvPr id="134" name="Shape 134"/>
           <p:cNvSpPr txBox="1"/>
           <p:nvPr>
             <p:ph idx="1" type="body"/>
@@ -5883,7 +5995,7 @@
       </p:sp>
       <p:pic>
         <p:nvPicPr>
-          <p:cNvPr id="133" name="Shape 133"/>
+          <p:cNvPr id="135" name="Shape 135"/>
           <p:cNvPicPr preferRelativeResize="0"/>
           <p:nvPr/>
         </p:nvPicPr>
@@ -5925,7 +6037,7 @@
   <p:cSld>
     <p:spTree>
       <p:nvGrpSpPr>
-        <p:cNvPr id="137" name="Shape 137"/>
+        <p:cNvPr id="139" name="Shape 139"/>
         <p:cNvGrpSpPr/>
         <p:nvPr/>
       </p:nvGrpSpPr>
@@ -5939,7 +6051,7 @@
       </p:grpSpPr>
       <p:sp>
         <p:nvSpPr>
-          <p:cNvPr id="138" name="Shape 138"/>
+          <p:cNvPr id="140" name="Shape 140"/>
           <p:cNvSpPr txBox="1"/>
           <p:nvPr>
             <p:ph type="title"/>
@@ -5947,7 +6059,7 @@
         </p:nvSpPr>
         <p:spPr>
           <a:xfrm>
-            <a:off x="311700" y="445025"/>
+            <a:off x="311700" y="195825"/>
             <a:ext cx="8520599" cy="613200"/>
           </a:xfrm>
           <a:prstGeom prst="rect">
@@ -5975,7 +6087,7 @@
       </p:sp>
       <p:sp>
         <p:nvSpPr>
-          <p:cNvPr id="139" name="Shape 139"/>
+          <p:cNvPr id="141" name="Shape 141"/>
           <p:cNvSpPr txBox="1"/>
           <p:nvPr>
             <p:ph idx="1" type="body"/>
@@ -6022,7 +6134,7 @@
       </p:sp>
       <p:pic>
         <p:nvPicPr>
-          <p:cNvPr id="140" name="Shape 140"/>
+          <p:cNvPr id="142" name="Shape 142"/>
           <p:cNvPicPr preferRelativeResize="0"/>
           <p:nvPr/>
         </p:nvPicPr>
@@ -6048,6 +6160,223 @@
           </a:ln>
         </p:spPr>
       </p:pic>
+    </p:spTree>
+  </p:cSld>
+  <p:clrMapOvr>
+    <a:masterClrMapping/>
+  </p:clrMapOvr>
+  <p:transition spd="slow">
+    <p:cut/>
+  </p:transition>
+</p:sld>
+</file>
+
+<file path=ppt/slides/slide13.xml><?xml version="1.0" encoding="utf-8"?>
+<p:sld xmlns:a="http://schemas.openxmlformats.org/drawingml/2006/main" xmlns:r="http://schemas.openxmlformats.org/officeDocument/2006/relationships" xmlns:mc="http://schemas.openxmlformats.org/markup-compatibility/2006" xmlns:mv="urn:schemas-microsoft-com:mac:vml" xmlns:p="http://schemas.openxmlformats.org/presentationml/2006/main" xmlns:c="http://schemas.openxmlformats.org/drawingml/2006/chart" xmlns:dgm="http://schemas.openxmlformats.org/drawingml/2006/diagram" xmlns:o="urn:schemas-microsoft-com:office:office" xmlns:v="urn:schemas-microsoft-com:vml" xmlns:pvml="urn:schemas-microsoft-com:office:powerpoint" xmlns:com="http://schemas.openxmlformats.org/drawingml/2006/compatibility" xmlns:p14="http://schemas.microsoft.com/office/powerpoint/2010/main">
+  <p:cSld>
+    <p:spTree>
+      <p:nvGrpSpPr>
+        <p:cNvPr id="146" name="Shape 146"/>
+        <p:cNvGrpSpPr/>
+        <p:nvPr/>
+      </p:nvGrpSpPr>
+      <p:grpSpPr>
+        <a:xfrm>
+          <a:off x="0" y="0"/>
+          <a:ext cx="0" cy="0"/>
+          <a:chOff x="0" y="0"/>
+          <a:chExt cx="0" cy="0"/>
+        </a:xfrm>
+      </p:grpSpPr>
+      <p:sp>
+        <p:nvSpPr>
+          <p:cNvPr id="147" name="Shape 147"/>
+          <p:cNvSpPr txBox="1"/>
+          <p:nvPr>
+            <p:ph type="title"/>
+          </p:nvPr>
+        </p:nvSpPr>
+        <p:spPr>
+          <a:xfrm>
+            <a:off x="311700" y="168825"/>
+            <a:ext cx="8520599" cy="495299"/>
+          </a:xfrm>
+          <a:prstGeom prst="rect">
+            <a:avLst/>
+          </a:prstGeom>
+        </p:spPr>
+        <p:txBody>
+          <a:bodyPr anchorCtr="0" anchor="t" bIns="91425" lIns="91425" rIns="91425" tIns="91425">
+            <a:noAutofit/>
+          </a:bodyPr>
+          <a:lstStyle/>
+          <a:p>
+            <a:pPr>
+              <a:spcBef>
+                <a:spcPts val="0"/>
+              </a:spcBef>
+              <a:buNone/>
+            </a:pPr>
+            <a:r>
+              <a:rPr lang="en"/>
+              <a:t>Conclusion</a:t>
+            </a:r>
+          </a:p>
+        </p:txBody>
+      </p:sp>
+      <p:sp>
+        <p:nvSpPr>
+          <p:cNvPr id="148" name="Shape 148"/>
+          <p:cNvSpPr txBox="1"/>
+          <p:nvPr>
+            <p:ph idx="1" type="body"/>
+          </p:nvPr>
+        </p:nvSpPr>
+        <p:spPr>
+          <a:xfrm>
+            <a:off x="311700" y="873150"/>
+            <a:ext cx="8520599" cy="4157700"/>
+          </a:xfrm>
+          <a:prstGeom prst="rect">
+            <a:avLst/>
+          </a:prstGeom>
+        </p:spPr>
+        <p:txBody>
+          <a:bodyPr anchorCtr="0" anchor="t" bIns="91425" lIns="91425" rIns="91425" tIns="91425">
+            <a:noAutofit/>
+          </a:bodyPr>
+          <a:lstStyle/>
+          <a:p>
+            <a:pPr indent="-228600" lvl="0" marL="457200" rtl="0">
+              <a:spcBef>
+                <a:spcPts val="0"/>
+              </a:spcBef>
+              <a:buSzPct val="77777"/>
+            </a:pPr>
+            <a:r>
+              <a:rPr lang="en"/>
+              <a:t>We learned how to work well through the following setbacks:</a:t>
+            </a:r>
+          </a:p>
+          <a:p>
+            <a:pPr indent="-228600" lvl="1" marL="914400" rtl="0">
+              <a:spcBef>
+                <a:spcPts val="0"/>
+              </a:spcBef>
+            </a:pPr>
+            <a:r>
+              <a:rPr lang="en"/>
+              <a:t>Conflicting schedules</a:t>
+            </a:r>
+          </a:p>
+          <a:p>
+            <a:pPr indent="-228600" lvl="1" marL="914400" rtl="0">
+              <a:spcBef>
+                <a:spcPts val="0"/>
+              </a:spcBef>
+            </a:pPr>
+            <a:r>
+              <a:rPr lang="en"/>
+              <a:t>Repository clashes</a:t>
+            </a:r>
+          </a:p>
+          <a:p>
+            <a:pPr indent="-228600" lvl="1" marL="914400" rtl="0">
+              <a:spcBef>
+                <a:spcPts val="0"/>
+              </a:spcBef>
+            </a:pPr>
+            <a:r>
+              <a:rPr lang="en"/>
+              <a:t>Limited experience with Linux</a:t>
+            </a:r>
+          </a:p>
+          <a:p>
+            <a:pPr indent="-228600" lvl="1" marL="914400" rtl="0">
+              <a:spcBef>
+                <a:spcPts val="0"/>
+              </a:spcBef>
+            </a:pPr>
+            <a:r>
+              <a:rPr lang="en"/>
+              <a:t>Limited experience with HTML5</a:t>
+            </a:r>
+          </a:p>
+          <a:p>
+            <a:pPr lvl="0" rtl="0">
+              <a:lnSpc>
+                <a:spcPct val="100000"/>
+              </a:lnSpc>
+              <a:spcBef>
+                <a:spcPts val="0"/>
+              </a:spcBef>
+              <a:spcAft>
+                <a:spcPts val="0"/>
+              </a:spcAft>
+              <a:buNone/>
+            </a:pPr>
+            <a:r>
+              <a:t/>
+            </a:r>
+            <a:endParaRPr sz="1400"/>
+          </a:p>
+          <a:p>
+            <a:pPr indent="-317500" lvl="0" marL="457200" rtl="0">
+              <a:lnSpc>
+                <a:spcPct val="100000"/>
+              </a:lnSpc>
+              <a:spcBef>
+                <a:spcPts val="0"/>
+              </a:spcBef>
+              <a:spcAft>
+                <a:spcPts val="0"/>
+              </a:spcAft>
+              <a:buSzPct val="100000"/>
+              <a:buChar char="●"/>
+            </a:pPr>
+            <a:r>
+              <a:rPr lang="en" sz="1400"/>
+              <a:t>We learned that testing is both an important and difficult task and that there is in no way a perfect multi use testing framework. Each one must be individually tailored to the system they run on. However, the principles we learned have strengthened our understanding of what a good testing framework looks like</a:t>
+            </a:r>
+          </a:p>
+          <a:p>
+            <a:pPr indent="0" marL="0" rtl="0">
+              <a:spcBef>
+                <a:spcPts val="0"/>
+              </a:spcBef>
+              <a:buNone/>
+            </a:pPr>
+            <a:r>
+              <a:t/>
+            </a:r>
+            <a:endParaRPr/>
+          </a:p>
+          <a:p>
+            <a:pPr indent="0" lvl="0" marL="0" rtl="0">
+              <a:spcBef>
+                <a:spcPts val="0"/>
+              </a:spcBef>
+              <a:buNone/>
+            </a:pPr>
+            <a:r>
+              <a:t/>
+            </a:r>
+            <a:endParaRPr/>
+          </a:p>
+          <a:p>
+            <a:pPr lvl="0">
+              <a:spcBef>
+                <a:spcPts val="0"/>
+              </a:spcBef>
+              <a:buNone/>
+            </a:pPr>
+            <a:r>
+              <a:t/>
+            </a:r>
+            <a:endParaRPr sz="1400"/>
+          </a:p>
+        </p:txBody>
+      </p:sp>
     </p:spTree>
   </p:cSld>
   <p:clrMapOvr>
@@ -6619,7 +6948,7 @@
                 <a:cs typeface="Old Standard TT"/>
                 <a:sym typeface="Old Standard TT"/>
               </a:rPr>
-              <a:t>Timor-Liste Disaster Risk Management Portal</a:t>
+              <a:t>Timor-Leste Disaster Risk Management Portal</a:t>
             </a:r>
           </a:p>
           <a:p>
@@ -7233,37 +7562,9 @@
           </a:p>
         </p:txBody>
       </p:sp>
-      <p:pic>
-        <p:nvPicPr>
-          <p:cNvPr id="91" name="Shape 91"/>
-          <p:cNvPicPr preferRelativeResize="0"/>
-          <p:nvPr/>
-        </p:nvPicPr>
-        <p:blipFill>
-          <a:blip r:embed="rId3">
-            <a:alphaModFix/>
-          </a:blip>
-          <a:stretch>
-            <a:fillRect/>
-          </a:stretch>
-        </p:blipFill>
-        <p:spPr>
-          <a:xfrm>
-            <a:off x="5495375" y="822723"/>
-            <a:ext cx="3251750" cy="4248400"/>
-          </a:xfrm>
-          <a:prstGeom prst="rect">
-            <a:avLst/>
-          </a:prstGeom>
-          <a:noFill/>
-          <a:ln>
-            <a:noFill/>
-          </a:ln>
-        </p:spPr>
-      </p:pic>
       <p:sp>
         <p:nvSpPr>
-          <p:cNvPr id="92" name="Shape 92"/>
+          <p:cNvPr id="91" name="Shape 91"/>
           <p:cNvSpPr txBox="1"/>
           <p:nvPr>
             <p:ph idx="2" type="body"/>
@@ -7400,6 +7701,101 @@
           </a:p>
         </p:txBody>
       </p:sp>
+      <p:grpSp>
+        <p:nvGrpSpPr>
+          <p:cNvPr id="92" name="Shape 92"/>
+          <p:cNvGrpSpPr/>
+          <p:nvPr/>
+        </p:nvGrpSpPr>
+        <p:grpSpPr>
+          <a:xfrm>
+            <a:off x="5451908" y="765925"/>
+            <a:ext cx="3295215" cy="4305199"/>
+            <a:chOff x="5451908" y="765925"/>
+            <a:chExt cx="3295215" cy="4305199"/>
+          </a:xfrm>
+        </p:grpSpPr>
+        <p:pic>
+          <p:nvPicPr>
+            <p:cNvPr id="93" name="Shape 93"/>
+            <p:cNvPicPr preferRelativeResize="0"/>
+            <p:nvPr/>
+          </p:nvPicPr>
+          <p:blipFill>
+            <a:blip r:embed="rId3">
+              <a:alphaModFix/>
+            </a:blip>
+            <a:stretch>
+              <a:fillRect/>
+            </a:stretch>
+          </p:blipFill>
+          <p:spPr>
+            <a:xfrm>
+              <a:off x="5451908" y="765925"/>
+              <a:ext cx="3295215" cy="4305199"/>
+            </a:xfrm>
+            <a:prstGeom prst="rect">
+              <a:avLst/>
+            </a:prstGeom>
+            <a:noFill/>
+            <a:ln cap="flat" cmpd="sng" w="9525">
+              <a:solidFill>
+                <a:srgbClr val="000000"/>
+              </a:solidFill>
+              <a:prstDash val="solid"/>
+              <a:round/>
+              <a:headEnd len="med" w="med" type="none"/>
+              <a:tailEnd len="med" w="med" type="none"/>
+            </a:ln>
+          </p:spPr>
+        </p:pic>
+        <p:sp>
+          <p:nvSpPr>
+            <p:cNvPr id="94" name="Shape 94"/>
+            <p:cNvSpPr/>
+            <p:nvPr/>
+          </p:nvSpPr>
+          <p:spPr>
+            <a:xfrm>
+              <a:off x="5552425" y="1904050"/>
+              <a:ext cx="990299" cy="146999"/>
+            </a:xfrm>
+            <a:prstGeom prst="rect">
+              <a:avLst/>
+            </a:prstGeom>
+            <a:solidFill>
+              <a:srgbClr val="FFFFFF"/>
+            </a:solidFill>
+            <a:ln cap="flat" cmpd="sng" w="9525">
+              <a:solidFill>
+                <a:srgbClr val="FFFFFF"/>
+              </a:solidFill>
+              <a:prstDash val="solid"/>
+              <a:round/>
+              <a:headEnd len="med" w="med" type="none"/>
+              <a:tailEnd len="med" w="med" type="none"/>
+            </a:ln>
+          </p:spPr>
+          <p:txBody>
+            <a:bodyPr anchorCtr="0" anchor="ctr" bIns="91425" lIns="91425" rIns="91425" tIns="91425">
+              <a:noAutofit/>
+            </a:bodyPr>
+            <a:lstStyle/>
+            <a:p>
+              <a:pPr>
+                <a:spcBef>
+                  <a:spcPts val="0"/>
+                </a:spcBef>
+                <a:buNone/>
+              </a:pPr>
+              <a:r>
+                <a:t/>
+              </a:r>
+              <a:endParaRPr/>
+            </a:p>
+          </p:txBody>
+        </p:sp>
+      </p:grpSp>
     </p:spTree>
   </p:cSld>
   <p:clrMapOvr>
@@ -7416,7 +7812,7 @@
   <p:cSld>
     <p:spTree>
       <p:nvGrpSpPr>
-        <p:cNvPr id="96" name="Shape 96"/>
+        <p:cNvPr id="98" name="Shape 98"/>
         <p:cNvGrpSpPr/>
         <p:nvPr/>
       </p:nvGrpSpPr>
@@ -7430,7 +7826,7 @@
       </p:grpSpPr>
       <p:sp>
         <p:nvSpPr>
-          <p:cNvPr id="97" name="Shape 97"/>
+          <p:cNvPr id="99" name="Shape 99"/>
           <p:cNvSpPr txBox="1"/>
           <p:nvPr>
             <p:ph idx="1" type="body"/>
@@ -7479,7 +7875,7 @@
               <a:spcBef>
                 <a:spcPts val="0"/>
               </a:spcBef>
-              <a:buSzPct val="100000"/>
+              <a:buSzPct val="62500"/>
             </a:pPr>
             <a:r>
               <a:rPr lang="en" sz="1600"/>
@@ -7491,7 +7887,7 @@
               <a:spcBef>
                 <a:spcPts val="0"/>
               </a:spcBef>
-              <a:buSzPct val="100000"/>
+              <a:buSzPct val="62500"/>
             </a:pPr>
             <a:r>
               <a:rPr lang="en" sz="1600"/>
@@ -7503,7 +7899,7 @@
               <a:spcBef>
                 <a:spcPts val="0"/>
               </a:spcBef>
-              <a:buSzPct val="100000"/>
+              <a:buSzPct val="62500"/>
             </a:pPr>
             <a:r>
               <a:rPr lang="en" sz="1600"/>
@@ -7515,7 +7911,7 @@
               <a:spcBef>
                 <a:spcPts val="0"/>
               </a:spcBef>
-              <a:buSzPct val="100000"/>
+              <a:buSzPct val="62500"/>
             </a:pPr>
             <a:r>
               <a:rPr lang="en" sz="1600"/>
@@ -7527,7 +7923,7 @@
               <a:spcBef>
                 <a:spcPts val="0"/>
               </a:spcBef>
-              <a:buSzPct val="100000"/>
+              <a:buSzPct val="62500"/>
             </a:pPr>
             <a:r>
               <a:rPr lang="en" sz="1600"/>
@@ -7539,7 +7935,7 @@
               <a:spcBef>
                 <a:spcPts val="0"/>
               </a:spcBef>
-              <a:buSzPct val="100000"/>
+              <a:buSzPct val="62500"/>
             </a:pPr>
             <a:r>
               <a:rPr lang="en" sz="1600"/>
@@ -7551,7 +7947,7 @@
               <a:spcBef>
                 <a:spcPts val="0"/>
               </a:spcBef>
-              <a:buSzPct val="100000"/>
+              <a:buChar char="→"/>
             </a:pPr>
             <a:r>
               <a:rPr lang="en" sz="1600"/>
@@ -7574,7 +7970,7 @@
       </p:sp>
       <p:sp>
         <p:nvSpPr>
-          <p:cNvPr id="98" name="Shape 98"/>
+          <p:cNvPr id="100" name="Shape 100"/>
           <p:cNvSpPr txBox="1"/>
           <p:nvPr>
             <p:ph type="title"/>
@@ -7610,7 +8006,7 @@
       </p:sp>
       <p:pic>
         <p:nvPicPr>
-          <p:cNvPr id="99" name="Shape 99"/>
+          <p:cNvPr id="101" name="Shape 101"/>
           <p:cNvPicPr preferRelativeResize="0"/>
           <p:nvPr/>
         </p:nvPicPr>
@@ -7624,15 +8020,21 @@
         </p:blipFill>
         <p:spPr>
           <a:xfrm>
-            <a:off x="3699225" y="678075"/>
-            <a:ext cx="5362625" cy="4211849"/>
+            <a:off x="3854500" y="438700"/>
+            <a:ext cx="4848750" cy="3970000"/>
           </a:xfrm>
           <a:prstGeom prst="rect">
             <a:avLst/>
           </a:prstGeom>
           <a:noFill/>
-          <a:ln>
-            <a:noFill/>
+          <a:ln cap="flat" cmpd="sng" w="9525">
+            <a:solidFill>
+              <a:srgbClr val="000000"/>
+            </a:solidFill>
+            <a:prstDash val="solid"/>
+            <a:round/>
+            <a:headEnd len="med" w="med" type="none"/>
+            <a:tailEnd len="med" w="med" type="none"/>
           </a:ln>
         </p:spPr>
       </p:pic>
@@ -7652,7 +8054,7 @@
   <p:cSld>
     <p:spTree>
       <p:nvGrpSpPr>
-        <p:cNvPr id="103" name="Shape 103"/>
+        <p:cNvPr id="105" name="Shape 105"/>
         <p:cNvGrpSpPr/>
         <p:nvPr/>
       </p:nvGrpSpPr>
@@ -7666,7 +8068,7 @@
       </p:grpSpPr>
       <p:sp>
         <p:nvSpPr>
-          <p:cNvPr id="104" name="Shape 104"/>
+          <p:cNvPr id="106" name="Shape 106"/>
           <p:cNvSpPr txBox="1"/>
           <p:nvPr>
             <p:ph idx="1" type="body"/>
@@ -7674,8 +8076,8 @@
         </p:nvSpPr>
         <p:spPr>
           <a:xfrm>
-            <a:off x="311700" y="1171675"/>
-            <a:ext cx="3999899" cy="3857099"/>
+            <a:off x="364800" y="794675"/>
+            <a:ext cx="7270500" cy="3390300"/>
           </a:xfrm>
           <a:prstGeom prst="rect">
             <a:avLst/>
@@ -7707,7 +8109,7 @@
             </a:pPr>
             <a:r>
               <a:rPr lang="en" sz="1600"/>
-              <a:t>Driver parses the reporting document and builds a web page to display results</a:t>
+              <a:t>Driver parses the reporting document into webbuilder.py and builds a web page to display results</a:t>
             </a:r>
           </a:p>
           <a:p>
@@ -7810,7 +8212,7 @@
       </p:sp>
       <p:sp>
         <p:nvSpPr>
-          <p:cNvPr id="105" name="Shape 105"/>
+          <p:cNvPr id="107" name="Shape 107"/>
           <p:cNvSpPr txBox="1"/>
           <p:nvPr>
             <p:ph type="title"/>
@@ -7818,7 +8220,7 @@
         </p:nvSpPr>
         <p:spPr>
           <a:xfrm>
-            <a:off x="541250" y="330250"/>
+            <a:off x="364800" y="111175"/>
             <a:ext cx="8520599" cy="613200"/>
           </a:xfrm>
           <a:prstGeom prst="rect">
@@ -7838,7 +8240,7 @@
               <a:buNone/>
             </a:pPr>
             <a:r>
-              <a:rPr lang="en"/>
+              <a:rPr lang="en" sz="3600"/>
               <a:t>Reporting</a:t>
             </a:r>
           </a:p>
@@ -7846,7 +8248,7 @@
       </p:sp>
       <p:pic>
         <p:nvPicPr>
-          <p:cNvPr id="106" name="Shape 106"/>
+          <p:cNvPr id="108" name="Shape 108"/>
           <p:cNvPicPr preferRelativeResize="0"/>
           <p:nvPr/>
         </p:nvPicPr>
@@ -7860,15 +8262,21 @@
         </p:blipFill>
         <p:spPr>
           <a:xfrm>
-            <a:off x="4311600" y="1402887"/>
-            <a:ext cx="4750250" cy="3394672"/>
+            <a:off x="4089275" y="1956500"/>
+            <a:ext cx="4690074" cy="3000750"/>
           </a:xfrm>
           <a:prstGeom prst="rect">
             <a:avLst/>
           </a:prstGeom>
           <a:noFill/>
-          <a:ln>
-            <a:noFill/>
+          <a:ln cap="flat" cmpd="sng" w="9525">
+            <a:solidFill>
+              <a:srgbClr val="000000"/>
+            </a:solidFill>
+            <a:prstDash val="solid"/>
+            <a:round/>
+            <a:headEnd len="med" w="med" type="none"/>
+            <a:tailEnd len="med" w="med" type="none"/>
           </a:ln>
         </p:spPr>
       </p:pic>
@@ -7888,7 +8296,7 @@
   <p:cSld>
     <p:spTree>
       <p:nvGrpSpPr>
-        <p:cNvPr id="110" name="Shape 110"/>
+        <p:cNvPr id="112" name="Shape 112"/>
         <p:cNvGrpSpPr/>
         <p:nvPr/>
       </p:nvGrpSpPr>
@@ -7902,7 +8310,7 @@
       </p:grpSpPr>
       <p:sp>
         <p:nvSpPr>
-          <p:cNvPr id="111" name="Shape 111"/>
+          <p:cNvPr id="113" name="Shape 113"/>
           <p:cNvSpPr txBox="1"/>
           <p:nvPr>
             <p:ph idx="1" type="body"/>
@@ -7910,8 +8318,8 @@
         </p:nvSpPr>
         <p:spPr>
           <a:xfrm>
-            <a:off x="144750" y="1182100"/>
-            <a:ext cx="8733899" cy="3544199"/>
+            <a:off x="205050" y="1341850"/>
+            <a:ext cx="8733899" cy="3279899"/>
           </a:xfrm>
           <a:prstGeom prst="rect">
             <a:avLst/>
@@ -7947,7 +8355,7 @@
                 <a:cs typeface="Arial"/>
                 <a:sym typeface="Arial"/>
               </a:rPr>
-              <a:t>Test 01:05 - Finds the GCD between two inputs</a:t>
+              <a:t>Test 01:05 - Finds the Greatest Common Denominator between two inputs</a:t>
             </a:r>
           </a:p>
           <a:p>
@@ -8079,7 +8487,7 @@
             </a:endParaRPr>
           </a:p>
           <a:p>
-            <a:pPr lvl="0">
+            <a:pPr rtl="0">
               <a:spcBef>
                 <a:spcPts val="0"/>
               </a:spcBef>
@@ -8092,14 +8500,31 @@
                 <a:cs typeface="Arial"/>
                 <a:sym typeface="Arial"/>
               </a:rPr>
-              <a:t>Test 15:20 - Converts the input into an integer</a:t>
+              <a:t>Test 16:20 - Converts the input into an integer</a:t>
+            </a:r>
+          </a:p>
+          <a:p>
+            <a:pPr lvl="0">
+              <a:spcBef>
+                <a:spcPts val="0"/>
+              </a:spcBef>
+              <a:buNone/>
+            </a:pPr>
+            <a:r>
+              <a:rPr lang="en" sz="1600">
+                <a:latin typeface="Arial"/>
+                <a:ea typeface="Arial"/>
+                <a:cs typeface="Arial"/>
+                <a:sym typeface="Arial"/>
+              </a:rPr>
+              <a:t>Test 21:25 Converts the input into a big endian integer</a:t>
             </a:r>
           </a:p>
         </p:txBody>
       </p:sp>
       <p:sp>
         <p:nvSpPr>
-          <p:cNvPr id="112" name="Shape 112"/>
+          <p:cNvPr id="114" name="Shape 114"/>
           <p:cNvSpPr txBox="1"/>
           <p:nvPr>
             <p:ph type="title"/>
@@ -8107,7 +8532,7 @@
         </p:nvSpPr>
         <p:spPr>
           <a:xfrm>
-            <a:off x="311700" y="445025"/>
+            <a:off x="205050" y="400300"/>
             <a:ext cx="8520599" cy="613200"/>
           </a:xfrm>
           <a:prstGeom prst="rect">
@@ -8149,7 +8574,7 @@
   <p:cSld>
     <p:spTree>
       <p:nvGrpSpPr>
-        <p:cNvPr id="116" name="Shape 116"/>
+        <p:cNvPr id="118" name="Shape 118"/>
         <p:cNvGrpSpPr/>
         <p:nvPr/>
       </p:nvGrpSpPr>
@@ -8163,7 +8588,7 @@
       </p:grpSpPr>
       <p:sp>
         <p:nvSpPr>
-          <p:cNvPr id="117" name="Shape 117"/>
+          <p:cNvPr id="119" name="Shape 119"/>
           <p:cNvSpPr txBox="1"/>
           <p:nvPr>
             <p:ph type="title"/>
@@ -8171,7 +8596,7 @@
         </p:nvSpPr>
         <p:spPr>
           <a:xfrm>
-            <a:off x="311700" y="445025"/>
+            <a:off x="311700" y="208600"/>
             <a:ext cx="8520599" cy="613200"/>
           </a:xfrm>
           <a:prstGeom prst="rect">
@@ -8199,7 +8624,7 @@
       </p:sp>
       <p:sp>
         <p:nvSpPr>
-          <p:cNvPr id="118" name="Shape 118"/>
+          <p:cNvPr id="120" name="Shape 120"/>
           <p:cNvSpPr txBox="1"/>
           <p:nvPr>
             <p:ph idx="1" type="body"/>
@@ -8251,7 +8676,7 @@
       </p:sp>
       <p:pic>
         <p:nvPicPr>
-          <p:cNvPr id="119" name="Shape 119"/>
+          <p:cNvPr id="121" name="Shape 121"/>
           <p:cNvPicPr preferRelativeResize="0"/>
           <p:nvPr/>
         </p:nvPicPr>
@@ -8272,8 +8697,14 @@
             <a:avLst/>
           </a:prstGeom>
           <a:noFill/>
-          <a:ln>
-            <a:noFill/>
+          <a:ln cap="flat" cmpd="sng" w="9525">
+            <a:solidFill>
+              <a:srgbClr val="000000"/>
+            </a:solidFill>
+            <a:prstDash val="solid"/>
+            <a:round/>
+            <a:headEnd len="med" w="med" type="none"/>
+            <a:tailEnd len="med" w="med" type="none"/>
           </a:ln>
         </p:spPr>
       </p:pic>
@@ -8289,6 +8720,285 @@
 </file>
 
 <file path=ppt/theme/theme1.xml><?xml version="1.0" encoding="utf-8"?>
+<a:theme xmlns:a="http://schemas.openxmlformats.org/drawingml/2006/main" xmlns:r="http://schemas.openxmlformats.org/officeDocument/2006/relationships" name="Custom Theme">
+  <a:themeElements>
+    <a:clrScheme name="Default">
+      <a:dk1>
+        <a:srgbClr val="000000"/>
+      </a:dk1>
+      <a:lt1>
+        <a:srgbClr val="FFFFFF"/>
+      </a:lt1>
+      <a:dk2>
+        <a:srgbClr val="158158"/>
+      </a:dk2>
+      <a:lt2>
+        <a:srgbClr val="F3F3F3"/>
+      </a:lt2>
+      <a:accent1>
+        <a:srgbClr val="058DC7"/>
+      </a:accent1>
+      <a:accent2>
+        <a:srgbClr val="50B432"/>
+      </a:accent2>
+      <a:accent3>
+        <a:srgbClr val="ED561B"/>
+      </a:accent3>
+      <a:accent4>
+        <a:srgbClr val="EDEF00"/>
+      </a:accent4>
+      <a:accent5>
+        <a:srgbClr val="24CBE5"/>
+      </a:accent5>
+      <a:accent6>
+        <a:srgbClr val="64E572"/>
+      </a:accent6>
+      <a:hlink>
+        <a:srgbClr val="2200CC"/>
+      </a:hlink>
+      <a:folHlink>
+        <a:srgbClr val="551A8B"/>
+      </a:folHlink>
+    </a:clrScheme>
+    <a:fontScheme name="Office">
+      <a:majorFont>
+        <a:latin typeface="Arial"/>
+        <a:ea typeface=""/>
+        <a:cs typeface=""/>
+        <a:font script="Jpan" typeface="ＭＳ Ｐゴシック"/>
+        <a:font script="Hang" typeface="맑은 고딕"/>
+        <a:font script="Hans" typeface="宋体"/>
+        <a:font script="Hant" typeface="新細明體"/>
+        <a:font script="Arab" typeface="Times New Roman"/>
+        <a:font script="Hebr" typeface="Times New Roman"/>
+        <a:font script="Thai" typeface="Angsana New"/>
+        <a:font script="Ethi" typeface="Nyala"/>
+        <a:font script="Beng" typeface="Vrinda"/>
+        <a:font script="Gujr" typeface="Shruti"/>
+        <a:font script="Khmr" typeface="MoolBoran"/>
+        <a:font script="Knda" typeface="Tunga"/>
+        <a:font script="Guru" typeface="Raavi"/>
+        <a:font script="Cans" typeface="Euphemia"/>
+        <a:font script="Cher" typeface="Plantagenet Cherokee"/>
+        <a:font script="Yiii" typeface="Microsoft Yi Baiti"/>
+        <a:font script="Tibt" typeface="Microsoft Himalaya"/>
+        <a:font script="Thaa" typeface="MV Boli"/>
+        <a:font script="Deva" typeface="Mangal"/>
+        <a:font script="Telu" typeface="Gautami"/>
+        <a:font script="Taml" typeface="Latha"/>
+        <a:font script="Syrc" typeface="Estrangelo Edessa"/>
+        <a:font script="Orya" typeface="Kalinga"/>
+        <a:font script="Mlym" typeface="Kartika"/>
+        <a:font script="Laoo" typeface="DokChampa"/>
+        <a:font script="Sinh" typeface="Iskoola Pota"/>
+        <a:font script="Mong" typeface="Mongolian Baiti"/>
+        <a:font script="Viet" typeface="Times New Roman"/>
+        <a:font script="Uigh" typeface="Microsoft Uighur"/>
+        <a:font script="Geor" typeface="Sylfaen"/>
+      </a:majorFont>
+      <a:minorFont>
+        <a:latin typeface="Arial"/>
+        <a:ea typeface=""/>
+        <a:cs typeface=""/>
+        <a:font script="Jpan" typeface="ＭＳ Ｐゴシック"/>
+        <a:font script="Hang" typeface="맑은 고딕"/>
+        <a:font script="Hans" typeface="宋体"/>
+        <a:font script="Hant" typeface="新細明體"/>
+        <a:font script="Arab" typeface="Arial"/>
+        <a:font script="Hebr" typeface="Arial"/>
+        <a:font script="Thai" typeface="Cordia New"/>
+        <a:font script="Ethi" typeface="Nyala"/>
+        <a:font script="Beng" typeface="Vrinda"/>
+        <a:font script="Gujr" typeface="Shruti"/>
+        <a:font script="Khmr" typeface="DaunPenh"/>
+        <a:font script="Knda" typeface="Tunga"/>
+        <a:font script="Guru" typeface="Raavi"/>
+        <a:font script="Cans" typeface="Euphemia"/>
+        <a:font script="Cher" typeface="Plantagenet Cherokee"/>
+        <a:font script="Yiii" typeface="Microsoft Yi Baiti"/>
+        <a:font script="Tibt" typeface="Microsoft Himalaya"/>
+        <a:font script="Thaa" typeface="MV Boli"/>
+        <a:font script="Deva" typeface="Mangal"/>
+        <a:font script="Telu" typeface="Gautami"/>
+        <a:font script="Taml" typeface="Latha"/>
+        <a:font script="Syrc" typeface="Estrangelo Edessa"/>
+        <a:font script="Orya" typeface="Kalinga"/>
+        <a:font script="Mlym" typeface="Kartika"/>
+        <a:font script="Laoo" typeface="DokChampa"/>
+        <a:font script="Sinh" typeface="Iskoola Pota"/>
+        <a:font script="Mong" typeface="Mongolian Baiti"/>
+        <a:font script="Viet" typeface="Arial"/>
+        <a:font script="Uigh" typeface="Microsoft Uighur"/>
+        <a:font script="Geor" typeface="Sylfaen"/>
+      </a:minorFont>
+    </a:fontScheme>
+    <a:fmtScheme name="Office">
+      <a:fillStyleLst>
+        <a:solidFill>
+          <a:schemeClr val="phClr"/>
+        </a:solidFill>
+        <a:gradFill rotWithShape="1">
+          <a:gsLst>
+            <a:gs pos="0">
+              <a:schemeClr val="phClr">
+                <a:tint val="50000"/>
+                <a:satMod val="300000"/>
+              </a:schemeClr>
+            </a:gs>
+            <a:gs pos="35000">
+              <a:schemeClr val="phClr">
+                <a:tint val="37000"/>
+                <a:satMod val="300000"/>
+              </a:schemeClr>
+            </a:gs>
+            <a:gs pos="100000">
+              <a:schemeClr val="phClr">
+                <a:tint val="15000"/>
+                <a:satMod val="350000"/>
+              </a:schemeClr>
+            </a:gs>
+          </a:gsLst>
+          <a:lin ang="16200000" scaled="1"/>
+        </a:gradFill>
+        <a:gradFill rotWithShape="1">
+          <a:gsLst>
+            <a:gs pos="0">
+              <a:schemeClr val="phClr">
+                <a:tint val="100000"/>
+                <a:shade val="100000"/>
+                <a:satMod val="130000"/>
+              </a:schemeClr>
+            </a:gs>
+            <a:gs pos="100000">
+              <a:schemeClr val="phClr">
+                <a:tint val="50000"/>
+                <a:shade val="100000"/>
+                <a:satMod val="350000"/>
+              </a:schemeClr>
+            </a:gs>
+          </a:gsLst>
+          <a:lin ang="16200000" scaled="0"/>
+        </a:gradFill>
+      </a:fillStyleLst>
+      <a:lnStyleLst>
+        <a:ln w="9525" cap="flat" cmpd="sng" algn="ctr">
+          <a:solidFill>
+            <a:schemeClr val="phClr">
+              <a:shade val="95000"/>
+              <a:satMod val="105000"/>
+            </a:schemeClr>
+          </a:solidFill>
+          <a:prstDash val="solid"/>
+        </a:ln>
+        <a:ln w="25400" cap="flat" cmpd="sng" algn="ctr">
+          <a:solidFill>
+            <a:schemeClr val="phClr"/>
+          </a:solidFill>
+          <a:prstDash val="solid"/>
+        </a:ln>
+        <a:ln w="38100" cap="flat" cmpd="sng" algn="ctr">
+          <a:solidFill>
+            <a:schemeClr val="phClr"/>
+          </a:solidFill>
+          <a:prstDash val="solid"/>
+        </a:ln>
+      </a:lnStyleLst>
+      <a:effectStyleLst>
+        <a:effectStyle>
+          <a:effectLst>
+            <a:outerShdw blurRad="40000" dist="20000" dir="5400000" rotWithShape="0">
+              <a:srgbClr val="000000">
+                <a:alpha val="38000"/>
+              </a:srgbClr>
+            </a:outerShdw>
+          </a:effectLst>
+        </a:effectStyle>
+        <a:effectStyle>
+          <a:effectLst>
+            <a:outerShdw blurRad="40000" dist="23000" dir="5400000" rotWithShape="0">
+              <a:srgbClr val="000000">
+                <a:alpha val="35000"/>
+              </a:srgbClr>
+            </a:outerShdw>
+          </a:effectLst>
+        </a:effectStyle>
+        <a:effectStyle>
+          <a:effectLst>
+            <a:outerShdw blurRad="40000" dist="23000" dir="5400000" rotWithShape="0">
+              <a:srgbClr val="000000">
+                <a:alpha val="35000"/>
+              </a:srgbClr>
+            </a:outerShdw>
+          </a:effectLst>
+          <a:scene3d>
+            <a:camera prst="orthographicFront">
+              <a:rot lat="0" lon="0" rev="0"/>
+            </a:camera>
+            <a:lightRig rig="threePt" dir="t">
+              <a:rot lat="0" lon="0" rev="1200000"/>
+            </a:lightRig>
+          </a:scene3d>
+          <a:sp3d>
+            <a:bevelT w="63500" h="25400"/>
+          </a:sp3d>
+        </a:effectStyle>
+      </a:effectStyleLst>
+      <a:bgFillStyleLst>
+        <a:solidFill>
+          <a:schemeClr val="phClr"/>
+        </a:solidFill>
+        <a:gradFill rotWithShape="1">
+          <a:gsLst>
+            <a:gs pos="0">
+              <a:schemeClr val="phClr">
+                <a:tint val="40000"/>
+                <a:satMod val="350000"/>
+              </a:schemeClr>
+            </a:gs>
+            <a:gs pos="40000">
+              <a:schemeClr val="phClr">
+                <a:tint val="45000"/>
+                <a:shade val="99000"/>
+                <a:satMod val="350000"/>
+              </a:schemeClr>
+            </a:gs>
+            <a:gs pos="100000">
+              <a:schemeClr val="phClr">
+                <a:shade val="20000"/>
+                <a:satMod val="255000"/>
+              </a:schemeClr>
+            </a:gs>
+          </a:gsLst>
+          <a:path path="circle">
+            <a:fillToRect l="50000" t="-80000" r="50000" b="180000"/>
+          </a:path>
+        </a:gradFill>
+        <a:gradFill rotWithShape="1">
+          <a:gsLst>
+            <a:gs pos="0">
+              <a:schemeClr val="phClr">
+                <a:tint val="80000"/>
+                <a:satMod val="300000"/>
+              </a:schemeClr>
+            </a:gs>
+            <a:gs pos="100000">
+              <a:schemeClr val="phClr">
+                <a:shade val="30000"/>
+                <a:satMod val="200000"/>
+              </a:schemeClr>
+            </a:gs>
+          </a:gsLst>
+          <a:path path="circle">
+            <a:fillToRect l="50000" t="50000" r="50000" b="50000"/>
+          </a:path>
+        </a:gradFill>
+      </a:bgFillStyleLst>
+    </a:fmtScheme>
+  </a:themeElements>
+</a:theme>
+</file>
+
+<file path=ppt/theme/theme2.xml><?xml version="1.0" encoding="utf-8"?>
 <a:theme xmlns:a="http://schemas.openxmlformats.org/drawingml/2006/main" xmlns:r="http://schemas.openxmlformats.org/officeDocument/2006/relationships" name="paperback">
   <a:themeElements>
     <a:clrScheme name="Paperback">
@@ -8565,283 +9275,4 @@
     </a:fmtScheme>
   </a:themeElements>
 </a:theme>
-</file>
-
-<file path=ppt/theme/theme2.xml><?xml version="1.0" encoding="utf-8"?>
-<a:theme xmlns:a="http://schemas.openxmlformats.org/drawingml/2006/main" xmlns:r="http://schemas.openxmlformats.org/officeDocument/2006/relationships" name="Custom Theme">
-  <a:themeElements>
-    <a:clrScheme name="Default">
-      <a:dk1>
-        <a:srgbClr val="000000"/>
-      </a:dk1>
-      <a:lt1>
-        <a:srgbClr val="FFFFFF"/>
-      </a:lt1>
-      <a:dk2>
-        <a:srgbClr val="158158"/>
-      </a:dk2>
-      <a:lt2>
-        <a:srgbClr val="F3F3F3"/>
-      </a:lt2>
-      <a:accent1>
-        <a:srgbClr val="058DC7"/>
-      </a:accent1>
-      <a:accent2>
-        <a:srgbClr val="50B432"/>
-      </a:accent2>
-      <a:accent3>
-        <a:srgbClr val="ED561B"/>
-      </a:accent3>
-      <a:accent4>
-        <a:srgbClr val="EDEF00"/>
-      </a:accent4>
-      <a:accent5>
-        <a:srgbClr val="24CBE5"/>
-      </a:accent5>
-      <a:accent6>
-        <a:srgbClr val="64E572"/>
-      </a:accent6>
-      <a:hlink>
-        <a:srgbClr val="2200CC"/>
-      </a:hlink>
-      <a:folHlink>
-        <a:srgbClr val="551A8B"/>
-      </a:folHlink>
-    </a:clrScheme>
-    <a:fontScheme name="Office">
-      <a:majorFont>
-        <a:latin typeface="Arial"/>
-        <a:ea typeface=""/>
-        <a:cs typeface=""/>
-        <a:font script="Jpan" typeface="ＭＳ Ｐゴシック"/>
-        <a:font script="Hang" typeface="맑은 고딕"/>
-        <a:font script="Hans" typeface="宋体"/>
-        <a:font script="Hant" typeface="新細明體"/>
-        <a:font script="Arab" typeface="Times New Roman"/>
-        <a:font script="Hebr" typeface="Times New Roman"/>
-        <a:font script="Thai" typeface="Angsana New"/>
-        <a:font script="Ethi" typeface="Nyala"/>
-        <a:font script="Beng" typeface="Vrinda"/>
-        <a:font script="Gujr" typeface="Shruti"/>
-        <a:font script="Khmr" typeface="MoolBoran"/>
-        <a:font script="Knda" typeface="Tunga"/>
-        <a:font script="Guru" typeface="Raavi"/>
-        <a:font script="Cans" typeface="Euphemia"/>
-        <a:font script="Cher" typeface="Plantagenet Cherokee"/>
-        <a:font script="Yiii" typeface="Microsoft Yi Baiti"/>
-        <a:font script="Tibt" typeface="Microsoft Himalaya"/>
-        <a:font script="Thaa" typeface="MV Boli"/>
-        <a:font script="Deva" typeface="Mangal"/>
-        <a:font script="Telu" typeface="Gautami"/>
-        <a:font script="Taml" typeface="Latha"/>
-        <a:font script="Syrc" typeface="Estrangelo Edessa"/>
-        <a:font script="Orya" typeface="Kalinga"/>
-        <a:font script="Mlym" typeface="Kartika"/>
-        <a:font script="Laoo" typeface="DokChampa"/>
-        <a:font script="Sinh" typeface="Iskoola Pota"/>
-        <a:font script="Mong" typeface="Mongolian Baiti"/>
-        <a:font script="Viet" typeface="Times New Roman"/>
-        <a:font script="Uigh" typeface="Microsoft Uighur"/>
-        <a:font script="Geor" typeface="Sylfaen"/>
-      </a:majorFont>
-      <a:minorFont>
-        <a:latin typeface="Arial"/>
-        <a:ea typeface=""/>
-        <a:cs typeface=""/>
-        <a:font script="Jpan" typeface="ＭＳ Ｐゴシック"/>
-        <a:font script="Hang" typeface="맑은 고딕"/>
-        <a:font script="Hans" typeface="宋体"/>
-        <a:font script="Hant" typeface="新細明體"/>
-        <a:font script="Arab" typeface="Arial"/>
-        <a:font script="Hebr" typeface="Arial"/>
-        <a:font script="Thai" typeface="Cordia New"/>
-        <a:font script="Ethi" typeface="Nyala"/>
-        <a:font script="Beng" typeface="Vrinda"/>
-        <a:font script="Gujr" typeface="Shruti"/>
-        <a:font script="Khmr" typeface="DaunPenh"/>
-        <a:font script="Knda" typeface="Tunga"/>
-        <a:font script="Guru" typeface="Raavi"/>
-        <a:font script="Cans" typeface="Euphemia"/>
-        <a:font script="Cher" typeface="Plantagenet Cherokee"/>
-        <a:font script="Yiii" typeface="Microsoft Yi Baiti"/>
-        <a:font script="Tibt" typeface="Microsoft Himalaya"/>
-        <a:font script="Thaa" typeface="MV Boli"/>
-        <a:font script="Deva" typeface="Mangal"/>
-        <a:font script="Telu" typeface="Gautami"/>
-        <a:font script="Taml" typeface="Latha"/>
-        <a:font script="Syrc" typeface="Estrangelo Edessa"/>
-        <a:font script="Orya" typeface="Kalinga"/>
-        <a:font script="Mlym" typeface="Kartika"/>
-        <a:font script="Laoo" typeface="DokChampa"/>
-        <a:font script="Sinh" typeface="Iskoola Pota"/>
-        <a:font script="Mong" typeface="Mongolian Baiti"/>
-        <a:font script="Viet" typeface="Arial"/>
-        <a:font script="Uigh" typeface="Microsoft Uighur"/>
-        <a:font script="Geor" typeface="Sylfaen"/>
-      </a:minorFont>
-    </a:fontScheme>
-    <a:fmtScheme name="Office">
-      <a:fillStyleLst>
-        <a:solidFill>
-          <a:schemeClr val="phClr"/>
-        </a:solidFill>
-        <a:gradFill rotWithShape="1">
-          <a:gsLst>
-            <a:gs pos="0">
-              <a:schemeClr val="phClr">
-                <a:tint val="50000"/>
-                <a:satMod val="300000"/>
-              </a:schemeClr>
-            </a:gs>
-            <a:gs pos="35000">
-              <a:schemeClr val="phClr">
-                <a:tint val="37000"/>
-                <a:satMod val="300000"/>
-              </a:schemeClr>
-            </a:gs>
-            <a:gs pos="100000">
-              <a:schemeClr val="phClr">
-                <a:tint val="15000"/>
-                <a:satMod val="350000"/>
-              </a:schemeClr>
-            </a:gs>
-          </a:gsLst>
-          <a:lin ang="16200000" scaled="1"/>
-        </a:gradFill>
-        <a:gradFill rotWithShape="1">
-          <a:gsLst>
-            <a:gs pos="0">
-              <a:schemeClr val="phClr">
-                <a:tint val="100000"/>
-                <a:shade val="100000"/>
-                <a:satMod val="130000"/>
-              </a:schemeClr>
-            </a:gs>
-            <a:gs pos="100000">
-              <a:schemeClr val="phClr">
-                <a:tint val="50000"/>
-                <a:shade val="100000"/>
-                <a:satMod val="350000"/>
-              </a:schemeClr>
-            </a:gs>
-          </a:gsLst>
-          <a:lin ang="16200000" scaled="0"/>
-        </a:gradFill>
-      </a:fillStyleLst>
-      <a:lnStyleLst>
-        <a:ln w="9525" cap="flat" cmpd="sng" algn="ctr">
-          <a:solidFill>
-            <a:schemeClr val="phClr">
-              <a:shade val="95000"/>
-              <a:satMod val="105000"/>
-            </a:schemeClr>
-          </a:solidFill>
-          <a:prstDash val="solid"/>
-        </a:ln>
-        <a:ln w="25400" cap="flat" cmpd="sng" algn="ctr">
-          <a:solidFill>
-            <a:schemeClr val="phClr"/>
-          </a:solidFill>
-          <a:prstDash val="solid"/>
-        </a:ln>
-        <a:ln w="38100" cap="flat" cmpd="sng" algn="ctr">
-          <a:solidFill>
-            <a:schemeClr val="phClr"/>
-          </a:solidFill>
-          <a:prstDash val="solid"/>
-        </a:ln>
-      </a:lnStyleLst>
-      <a:effectStyleLst>
-        <a:effectStyle>
-          <a:effectLst>
-            <a:outerShdw blurRad="40000" dist="20000" dir="5400000" rotWithShape="0">
-              <a:srgbClr val="000000">
-                <a:alpha val="38000"/>
-              </a:srgbClr>
-            </a:outerShdw>
-          </a:effectLst>
-        </a:effectStyle>
-        <a:effectStyle>
-          <a:effectLst>
-            <a:outerShdw blurRad="40000" dist="23000" dir="5400000" rotWithShape="0">
-              <a:srgbClr val="000000">
-                <a:alpha val="35000"/>
-              </a:srgbClr>
-            </a:outerShdw>
-          </a:effectLst>
-        </a:effectStyle>
-        <a:effectStyle>
-          <a:effectLst>
-            <a:outerShdw blurRad="40000" dist="23000" dir="5400000" rotWithShape="0">
-              <a:srgbClr val="000000">
-                <a:alpha val="35000"/>
-              </a:srgbClr>
-            </a:outerShdw>
-          </a:effectLst>
-          <a:scene3d>
-            <a:camera prst="orthographicFront">
-              <a:rot lat="0" lon="0" rev="0"/>
-            </a:camera>
-            <a:lightRig rig="threePt" dir="t">
-              <a:rot lat="0" lon="0" rev="1200000"/>
-            </a:lightRig>
-          </a:scene3d>
-          <a:sp3d>
-            <a:bevelT w="63500" h="25400"/>
-          </a:sp3d>
-        </a:effectStyle>
-      </a:effectStyleLst>
-      <a:bgFillStyleLst>
-        <a:solidFill>
-          <a:schemeClr val="phClr"/>
-        </a:solidFill>
-        <a:gradFill rotWithShape="1">
-          <a:gsLst>
-            <a:gs pos="0">
-              <a:schemeClr val="phClr">
-                <a:tint val="40000"/>
-                <a:satMod val="350000"/>
-              </a:schemeClr>
-            </a:gs>
-            <a:gs pos="40000">
-              <a:schemeClr val="phClr">
-                <a:tint val="45000"/>
-                <a:shade val="99000"/>
-                <a:satMod val="350000"/>
-              </a:schemeClr>
-            </a:gs>
-            <a:gs pos="100000">
-              <a:schemeClr val="phClr">
-                <a:shade val="20000"/>
-                <a:satMod val="255000"/>
-              </a:schemeClr>
-            </a:gs>
-          </a:gsLst>
-          <a:path path="circle">
-            <a:fillToRect l="50000" t="-80000" r="50000" b="180000"/>
-          </a:path>
-        </a:gradFill>
-        <a:gradFill rotWithShape="1">
-          <a:gsLst>
-            <a:gs pos="0">
-              <a:schemeClr val="phClr">
-                <a:tint val="80000"/>
-                <a:satMod val="300000"/>
-              </a:schemeClr>
-            </a:gs>
-            <a:gs pos="100000">
-              <a:schemeClr val="phClr">
-                <a:shade val="30000"/>
-                <a:satMod val="200000"/>
-              </a:schemeClr>
-            </a:gs>
-          </a:gsLst>
-          <a:path path="circle">
-            <a:fillToRect l="50000" t="50000" r="50000" b="50000"/>
-          </a:path>
-        </a:gradFill>
-      </a:bgFillStyleLst>
-    </a:fmtScheme>
-  </a:themeElements>
-</a:theme>
 </file>